--- a/说明/函数依赖图.pptx
+++ b/说明/函数依赖图.pptx
@@ -4914,7 +4914,7 @@
               <a:p>
                 <a:r>
                   <a:rPr lang="zh-CN" altLang="en-US" sz="2500" dirty="0"/>
-                  <a:t>解析字段值</a:t>
+                  <a:t>提取字段值</a:t>
                 </a:r>
               </a:p>
             </p:txBody>
